--- a/Sorting Algorithms - Descriptions and Comparisons.pptx
+++ b/Sorting Algorithms - Descriptions and Comparisons.pptx
@@ -24884,14 +24884,24 @@
               <a:t>aprox</a:t>
             </a:r>
             <a:r>
-              <a:rPr lang="en-US" sz="1000" b="0" dirty="0">
+              <a:rPr lang="en-US" sz="1000" b="0">
                 <a:solidFill>
                   <a:srgbClr val="FFFFFF"/>
                 </a:solidFill>
                 <a:latin typeface="Roboto Slab Regular" panose="020B0604020202020204" charset="0"/>
                 <a:ea typeface="Roboto Slab Regular" panose="020B0604020202020204" charset="0"/>
               </a:rPr>
-              <a:t> 6s.) , but it uses additional memory in contrast with th</a:t>
+              <a:t> 600 ms</a:t>
+            </a:r>
+            <a:r>
+              <a:rPr lang="en-US" sz="1000" b="0" dirty="0">
+                <a:solidFill>
+                  <a:srgbClr val="FFFFFF"/>
+                </a:solidFill>
+                <a:latin typeface="Roboto Slab Regular" panose="020B0604020202020204" charset="0"/>
+                <a:ea typeface="Roboto Slab Regular" panose="020B0604020202020204" charset="0"/>
+              </a:rPr>
+              <a:t>.) , but it uses additional memory in contrast with th</a:t>
             </a:r>
             <a:r>
               <a:rPr lang="en-US" sz="1000" dirty="0">
